--- a/docs/images/logo.pptx
+++ b/docs/images/logo.pptx
@@ -6,6 +6,7 @@
   </p:sldMasterIdLst>
   <p:sldIdLst>
     <p:sldId id="256" r:id="rId2"/>
+    <p:sldId id="257" r:id="rId3"/>
   </p:sldIdLst>
   <p:sldSz cx="12192000" cy="6858000"/>
   <p:notesSz cx="6858000" cy="9144000"/>
@@ -104,6 +105,11 @@
       </a:defRPr>
     </a:lvl9pPr>
   </p:defaultTextStyle>
+  <p:extLst>
+    <p:ext uri="{EFAFB233-063F-42B5-8137-9DF3F51BA10A}">
+      <p15:sldGuideLst xmlns:p15="http://schemas.microsoft.com/office/powerpoint/2012/main"/>
+    </p:ext>
+  </p:extLst>
 </p:presentation>
 </file>
 
@@ -3923,6 +3929,689 @@
 </p:sld>
 </file>
 
+<file path=ppt/slides/slide2.xml><?xml version="1.0" encoding="utf-8"?>
+<p:sld xmlns:a="http://schemas.openxmlformats.org/drawingml/2006/main" xmlns:r="http://schemas.openxmlformats.org/officeDocument/2006/relationships" xmlns:p="http://schemas.openxmlformats.org/presentationml/2006/main">
+  <p:cSld>
+    <p:spTree>
+      <p:nvGrpSpPr>
+        <p:cNvPr id="1" name=""/>
+        <p:cNvGrpSpPr/>
+        <p:nvPr/>
+      </p:nvGrpSpPr>
+      <p:grpSpPr>
+        <a:xfrm>
+          <a:off x="0" y="0"/>
+          <a:ext cx="0" cy="0"/>
+          <a:chOff x="0" y="0"/>
+          <a:chExt cx="0" cy="0"/>
+        </a:xfrm>
+      </p:grpSpPr>
+      <p:grpSp>
+        <p:nvGrpSpPr>
+          <p:cNvPr id="17" name="Group 16">
+            <a:extLst>
+              <a:ext uri="{FF2B5EF4-FFF2-40B4-BE49-F238E27FC236}">
+                <a16:creationId xmlns:a16="http://schemas.microsoft.com/office/drawing/2014/main" id="{1C33FB14-6C48-4F17-A649-7EF7DB842773}"/>
+              </a:ext>
+            </a:extLst>
+          </p:cNvPr>
+          <p:cNvGrpSpPr/>
+          <p:nvPr/>
+        </p:nvGrpSpPr>
+        <p:grpSpPr>
+          <a:xfrm>
+            <a:off x="3146426" y="2874964"/>
+            <a:ext cx="1109852" cy="1108074"/>
+            <a:chOff x="6151563" y="2874963"/>
+            <a:chExt cx="1109852" cy="1108074"/>
+          </a:xfrm>
+        </p:grpSpPr>
+        <p:grpSp>
+          <p:nvGrpSpPr>
+            <p:cNvPr id="4" name="Group 3">
+              <a:extLst>
+                <a:ext uri="{FF2B5EF4-FFF2-40B4-BE49-F238E27FC236}">
+                  <a16:creationId xmlns:a16="http://schemas.microsoft.com/office/drawing/2014/main" id="{E07A4422-4733-4366-875E-3FF947C47B90}"/>
+                </a:ext>
+              </a:extLst>
+            </p:cNvPr>
+            <p:cNvGrpSpPr/>
+            <p:nvPr/>
+          </p:nvGrpSpPr>
+          <p:grpSpPr>
+            <a:xfrm>
+              <a:off x="6175248" y="2898649"/>
+              <a:ext cx="1060704" cy="1060704"/>
+              <a:chOff x="5788025" y="3016123"/>
+              <a:chExt cx="1060704" cy="1060704"/>
+            </a:xfrm>
+          </p:grpSpPr>
+          <p:sp>
+            <p:nvSpPr>
+              <p:cNvPr id="5" name="Hexagon 4">
+                <a:extLst>
+                  <a:ext uri="{FF2B5EF4-FFF2-40B4-BE49-F238E27FC236}">
+                    <a16:creationId xmlns:a16="http://schemas.microsoft.com/office/drawing/2014/main" id="{4BE7BABE-582B-41FF-947A-33C6E43BBB5C}"/>
+                  </a:ext>
+                </a:extLst>
+              </p:cNvPr>
+              <p:cNvSpPr>
+                <a:spLocks noChangeAspect="1"/>
+              </p:cNvSpPr>
+              <p:nvPr/>
+            </p:nvSpPr>
+            <p:spPr>
+              <a:xfrm>
+                <a:off x="5788025" y="3089275"/>
+                <a:ext cx="1060704" cy="914400"/>
+              </a:xfrm>
+              <a:prstGeom prst="hexagon">
+                <a:avLst/>
+              </a:prstGeom>
+              <a:solidFill>
+                <a:srgbClr val="ECE340"/>
+              </a:solidFill>
+              <a:ln>
+                <a:noFill/>
+              </a:ln>
+            </p:spPr>
+            <p:style>
+              <a:lnRef idx="2">
+                <a:schemeClr val="accent1">
+                  <a:shade val="50000"/>
+                </a:schemeClr>
+              </a:lnRef>
+              <a:fillRef idx="1">
+                <a:schemeClr val="accent1"/>
+              </a:fillRef>
+              <a:effectRef idx="0">
+                <a:schemeClr val="accent1"/>
+              </a:effectRef>
+              <a:fontRef idx="minor">
+                <a:schemeClr val="lt1"/>
+              </a:fontRef>
+            </p:style>
+            <p:txBody>
+              <a:bodyPr rtlCol="0" anchor="ctr"/>
+              <a:lstStyle/>
+              <a:p>
+                <a:pPr algn="ctr"/>
+                <a:endParaRPr lang="en-US"/>
+              </a:p>
+            </p:txBody>
+          </p:sp>
+          <p:sp>
+            <p:nvSpPr>
+              <p:cNvPr id="6" name="Hexagon 5">
+                <a:extLst>
+                  <a:ext uri="{FF2B5EF4-FFF2-40B4-BE49-F238E27FC236}">
+                    <a16:creationId xmlns:a16="http://schemas.microsoft.com/office/drawing/2014/main" id="{05BA7836-1783-4EC8-82F7-3C166375550C}"/>
+                  </a:ext>
+                </a:extLst>
+              </p:cNvPr>
+              <p:cNvSpPr>
+                <a:spLocks noChangeAspect="1"/>
+              </p:cNvSpPr>
+              <p:nvPr/>
+            </p:nvSpPr>
+            <p:spPr>
+              <a:xfrm rot="5400000">
+                <a:off x="5788025" y="3089275"/>
+                <a:ext cx="1060704" cy="914400"/>
+              </a:xfrm>
+              <a:prstGeom prst="hexagon">
+                <a:avLst/>
+              </a:prstGeom>
+              <a:solidFill>
+                <a:srgbClr val="ECE340"/>
+              </a:solidFill>
+              <a:ln>
+                <a:noFill/>
+              </a:ln>
+            </p:spPr>
+            <p:style>
+              <a:lnRef idx="2">
+                <a:schemeClr val="accent1">
+                  <a:shade val="50000"/>
+                </a:schemeClr>
+              </a:lnRef>
+              <a:fillRef idx="1">
+                <a:schemeClr val="accent1"/>
+              </a:fillRef>
+              <a:effectRef idx="0">
+                <a:schemeClr val="accent1"/>
+              </a:effectRef>
+              <a:fontRef idx="minor">
+                <a:schemeClr val="lt1"/>
+              </a:fontRef>
+            </p:style>
+            <p:txBody>
+              <a:bodyPr rtlCol="0" anchor="ctr"/>
+              <a:lstStyle/>
+              <a:p>
+                <a:pPr algn="ctr"/>
+                <a:endParaRPr lang="en-US"/>
+              </a:p>
+            </p:txBody>
+          </p:sp>
+        </p:grpSp>
+        <p:grpSp>
+          <p:nvGrpSpPr>
+            <p:cNvPr id="7" name="Group 6">
+              <a:extLst>
+                <a:ext uri="{FF2B5EF4-FFF2-40B4-BE49-F238E27FC236}">
+                  <a16:creationId xmlns:a16="http://schemas.microsoft.com/office/drawing/2014/main" id="{5196D660-0544-4F5A-9096-1C61CD101000}"/>
+                </a:ext>
+              </a:extLst>
+            </p:cNvPr>
+            <p:cNvGrpSpPr/>
+            <p:nvPr/>
+          </p:nvGrpSpPr>
+          <p:grpSpPr>
+            <a:xfrm>
+              <a:off x="6151563" y="2874963"/>
+              <a:ext cx="1109852" cy="1108074"/>
+              <a:chOff x="6151563" y="2874963"/>
+              <a:chExt cx="1109852" cy="1108074"/>
+            </a:xfrm>
+          </p:grpSpPr>
+          <p:sp>
+            <p:nvSpPr>
+              <p:cNvPr id="8" name="Arc 7">
+                <a:extLst>
+                  <a:ext uri="{FF2B5EF4-FFF2-40B4-BE49-F238E27FC236}">
+                    <a16:creationId xmlns:a16="http://schemas.microsoft.com/office/drawing/2014/main" id="{EDE6F7AD-39F5-4604-899E-7B41F576715B}"/>
+                  </a:ext>
+                </a:extLst>
+              </p:cNvPr>
+              <p:cNvSpPr>
+                <a:spLocks noChangeAspect="1"/>
+              </p:cNvSpPr>
+              <p:nvPr/>
+            </p:nvSpPr>
+            <p:spPr>
+              <a:xfrm>
+                <a:off x="6151563" y="3428999"/>
+                <a:ext cx="554037" cy="554037"/>
+              </a:xfrm>
+              <a:prstGeom prst="arc">
+                <a:avLst/>
+              </a:prstGeom>
+              <a:noFill/>
+              <a:ln w="19050">
+                <a:solidFill>
+                  <a:schemeClr val="bg1"/>
+                </a:solidFill>
+              </a:ln>
+            </p:spPr>
+            <p:style>
+              <a:lnRef idx="1">
+                <a:schemeClr val="accent1"/>
+              </a:lnRef>
+              <a:fillRef idx="0">
+                <a:schemeClr val="accent1"/>
+              </a:fillRef>
+              <a:effectRef idx="0">
+                <a:schemeClr val="accent1"/>
+              </a:effectRef>
+              <a:fontRef idx="minor">
+                <a:schemeClr val="tx1"/>
+              </a:fontRef>
+            </p:style>
+            <p:txBody>
+              <a:bodyPr rtlCol="0" anchor="ctr"/>
+              <a:lstStyle/>
+              <a:p>
+                <a:pPr algn="ctr"/>
+                <a:endParaRPr lang="en-US"/>
+              </a:p>
+            </p:txBody>
+          </p:sp>
+          <p:sp>
+            <p:nvSpPr>
+              <p:cNvPr id="9" name="Arc 8">
+                <a:extLst>
+                  <a:ext uri="{FF2B5EF4-FFF2-40B4-BE49-F238E27FC236}">
+                    <a16:creationId xmlns:a16="http://schemas.microsoft.com/office/drawing/2014/main" id="{416D7E9C-43D4-4FFF-AF1F-B56402974FEB}"/>
+                  </a:ext>
+                </a:extLst>
+              </p:cNvPr>
+              <p:cNvSpPr>
+                <a:spLocks noChangeAspect="1"/>
+              </p:cNvSpPr>
+              <p:nvPr/>
+            </p:nvSpPr>
+            <p:spPr>
+              <a:xfrm rot="5400000">
+                <a:off x="6151563" y="2874963"/>
+                <a:ext cx="554037" cy="554037"/>
+              </a:xfrm>
+              <a:prstGeom prst="arc">
+                <a:avLst/>
+              </a:prstGeom>
+              <a:noFill/>
+              <a:ln w="19050">
+                <a:solidFill>
+                  <a:schemeClr val="bg1"/>
+                </a:solidFill>
+              </a:ln>
+            </p:spPr>
+            <p:style>
+              <a:lnRef idx="1">
+                <a:schemeClr val="accent1"/>
+              </a:lnRef>
+              <a:fillRef idx="0">
+                <a:schemeClr val="accent1"/>
+              </a:fillRef>
+              <a:effectRef idx="0">
+                <a:schemeClr val="accent1"/>
+              </a:effectRef>
+              <a:fontRef idx="minor">
+                <a:schemeClr val="tx1"/>
+              </a:fontRef>
+            </p:style>
+            <p:txBody>
+              <a:bodyPr rtlCol="0" anchor="ctr"/>
+              <a:lstStyle/>
+              <a:p>
+                <a:pPr algn="ctr"/>
+                <a:endParaRPr lang="en-US"/>
+              </a:p>
+            </p:txBody>
+          </p:sp>
+          <p:sp>
+            <p:nvSpPr>
+              <p:cNvPr id="10" name="Arc 9">
+                <a:extLst>
+                  <a:ext uri="{FF2B5EF4-FFF2-40B4-BE49-F238E27FC236}">
+                    <a16:creationId xmlns:a16="http://schemas.microsoft.com/office/drawing/2014/main" id="{3E82FE7F-C3FE-430F-A30F-8D92904DD111}"/>
+                  </a:ext>
+                </a:extLst>
+              </p:cNvPr>
+              <p:cNvSpPr>
+                <a:spLocks noChangeAspect="1"/>
+              </p:cNvSpPr>
+              <p:nvPr/>
+            </p:nvSpPr>
+            <p:spPr>
+              <a:xfrm rot="10800000">
+                <a:off x="6707378" y="2874963"/>
+                <a:ext cx="554037" cy="554037"/>
+              </a:xfrm>
+              <a:prstGeom prst="arc">
+                <a:avLst/>
+              </a:prstGeom>
+              <a:noFill/>
+              <a:ln w="19050">
+                <a:solidFill>
+                  <a:schemeClr val="bg1"/>
+                </a:solidFill>
+              </a:ln>
+            </p:spPr>
+            <p:style>
+              <a:lnRef idx="1">
+                <a:schemeClr val="accent1"/>
+              </a:lnRef>
+              <a:fillRef idx="0">
+                <a:schemeClr val="accent1"/>
+              </a:fillRef>
+              <a:effectRef idx="0">
+                <a:schemeClr val="accent1"/>
+              </a:effectRef>
+              <a:fontRef idx="minor">
+                <a:schemeClr val="tx1"/>
+              </a:fontRef>
+            </p:style>
+            <p:txBody>
+              <a:bodyPr rtlCol="0" anchor="ctr"/>
+              <a:lstStyle/>
+              <a:p>
+                <a:pPr algn="ctr"/>
+                <a:endParaRPr lang="en-US"/>
+              </a:p>
+            </p:txBody>
+          </p:sp>
+          <p:sp>
+            <p:nvSpPr>
+              <p:cNvPr id="11" name="Arc 10">
+                <a:extLst>
+                  <a:ext uri="{FF2B5EF4-FFF2-40B4-BE49-F238E27FC236}">
+                    <a16:creationId xmlns:a16="http://schemas.microsoft.com/office/drawing/2014/main" id="{7BFBCBA7-0AD0-449D-8D77-ACBF50B40806}"/>
+                  </a:ext>
+                </a:extLst>
+              </p:cNvPr>
+              <p:cNvSpPr>
+                <a:spLocks noChangeAspect="1"/>
+              </p:cNvSpPr>
+              <p:nvPr/>
+            </p:nvSpPr>
+            <p:spPr>
+              <a:xfrm rot="16200000">
+                <a:off x="6707378" y="3429000"/>
+                <a:ext cx="554037" cy="554037"/>
+              </a:xfrm>
+              <a:prstGeom prst="arc">
+                <a:avLst/>
+              </a:prstGeom>
+              <a:noFill/>
+              <a:ln w="19050">
+                <a:solidFill>
+                  <a:schemeClr val="bg1"/>
+                </a:solidFill>
+              </a:ln>
+            </p:spPr>
+            <p:style>
+              <a:lnRef idx="1">
+                <a:schemeClr val="accent1"/>
+              </a:lnRef>
+              <a:fillRef idx="0">
+                <a:schemeClr val="accent1"/>
+              </a:fillRef>
+              <a:effectRef idx="0">
+                <a:schemeClr val="accent1"/>
+              </a:effectRef>
+              <a:fontRef idx="minor">
+                <a:schemeClr val="tx1"/>
+              </a:fontRef>
+            </p:style>
+            <p:txBody>
+              <a:bodyPr rtlCol="0" anchor="ctr"/>
+              <a:lstStyle/>
+              <a:p>
+                <a:pPr algn="ctr"/>
+                <a:endParaRPr lang="en-US"/>
+              </a:p>
+            </p:txBody>
+          </p:sp>
+        </p:grpSp>
+        <p:grpSp>
+          <p:nvGrpSpPr>
+            <p:cNvPr id="12" name="Group 11">
+              <a:extLst>
+                <a:ext uri="{FF2B5EF4-FFF2-40B4-BE49-F238E27FC236}">
+                  <a16:creationId xmlns:a16="http://schemas.microsoft.com/office/drawing/2014/main" id="{6A5B20BA-75B1-4D78-8605-980BE8C08AE3}"/>
+                </a:ext>
+              </a:extLst>
+            </p:cNvPr>
+            <p:cNvGrpSpPr>
+              <a:grpSpLocks noChangeAspect="1"/>
+            </p:cNvGrpSpPr>
+            <p:nvPr/>
+          </p:nvGrpSpPr>
+          <p:grpSpPr>
+            <a:xfrm>
+              <a:off x="6238237" y="2963861"/>
+              <a:ext cx="936505" cy="935005"/>
+              <a:chOff x="6151563" y="2874963"/>
+              <a:chExt cx="1109852" cy="1108074"/>
+            </a:xfrm>
+          </p:grpSpPr>
+          <p:sp>
+            <p:nvSpPr>
+              <p:cNvPr id="13" name="Arc 12">
+                <a:extLst>
+                  <a:ext uri="{FF2B5EF4-FFF2-40B4-BE49-F238E27FC236}">
+                    <a16:creationId xmlns:a16="http://schemas.microsoft.com/office/drawing/2014/main" id="{3FE33A56-B69C-4C38-A7B7-8B350A673A73}"/>
+                  </a:ext>
+                </a:extLst>
+              </p:cNvPr>
+              <p:cNvSpPr>
+                <a:spLocks noChangeAspect="1"/>
+              </p:cNvSpPr>
+              <p:nvPr/>
+            </p:nvSpPr>
+            <p:spPr>
+              <a:xfrm>
+                <a:off x="6151563" y="3428999"/>
+                <a:ext cx="554037" cy="554037"/>
+              </a:xfrm>
+              <a:prstGeom prst="arc">
+                <a:avLst/>
+              </a:prstGeom>
+              <a:noFill/>
+              <a:ln w="19050">
+                <a:solidFill>
+                  <a:schemeClr val="bg1"/>
+                </a:solidFill>
+              </a:ln>
+            </p:spPr>
+            <p:style>
+              <a:lnRef idx="1">
+                <a:schemeClr val="accent1"/>
+              </a:lnRef>
+              <a:fillRef idx="0">
+                <a:schemeClr val="accent1"/>
+              </a:fillRef>
+              <a:effectRef idx="0">
+                <a:schemeClr val="accent1"/>
+              </a:effectRef>
+              <a:fontRef idx="minor">
+                <a:schemeClr val="tx1"/>
+              </a:fontRef>
+            </p:style>
+            <p:txBody>
+              <a:bodyPr rtlCol="0" anchor="ctr"/>
+              <a:lstStyle/>
+              <a:p>
+                <a:pPr algn="ctr"/>
+                <a:endParaRPr lang="en-US"/>
+              </a:p>
+            </p:txBody>
+          </p:sp>
+          <p:sp>
+            <p:nvSpPr>
+              <p:cNvPr id="14" name="Arc 13">
+                <a:extLst>
+                  <a:ext uri="{FF2B5EF4-FFF2-40B4-BE49-F238E27FC236}">
+                    <a16:creationId xmlns:a16="http://schemas.microsoft.com/office/drawing/2014/main" id="{30FDA7F7-2C2F-47C0-A458-CDF78CA01F8A}"/>
+                  </a:ext>
+                </a:extLst>
+              </p:cNvPr>
+              <p:cNvSpPr>
+                <a:spLocks noChangeAspect="1"/>
+              </p:cNvSpPr>
+              <p:nvPr/>
+            </p:nvSpPr>
+            <p:spPr>
+              <a:xfrm rot="5400000">
+                <a:off x="6151563" y="2874963"/>
+                <a:ext cx="554037" cy="554037"/>
+              </a:xfrm>
+              <a:prstGeom prst="arc">
+                <a:avLst/>
+              </a:prstGeom>
+              <a:noFill/>
+              <a:ln w="19050">
+                <a:solidFill>
+                  <a:schemeClr val="bg1"/>
+                </a:solidFill>
+              </a:ln>
+            </p:spPr>
+            <p:style>
+              <a:lnRef idx="1">
+                <a:schemeClr val="accent1"/>
+              </a:lnRef>
+              <a:fillRef idx="0">
+                <a:schemeClr val="accent1"/>
+              </a:fillRef>
+              <a:effectRef idx="0">
+                <a:schemeClr val="accent1"/>
+              </a:effectRef>
+              <a:fontRef idx="minor">
+                <a:schemeClr val="tx1"/>
+              </a:fontRef>
+            </p:style>
+            <p:txBody>
+              <a:bodyPr rtlCol="0" anchor="ctr"/>
+              <a:lstStyle/>
+              <a:p>
+                <a:pPr algn="ctr"/>
+                <a:endParaRPr lang="en-US"/>
+              </a:p>
+            </p:txBody>
+          </p:sp>
+          <p:sp>
+            <p:nvSpPr>
+              <p:cNvPr id="15" name="Arc 14">
+                <a:extLst>
+                  <a:ext uri="{FF2B5EF4-FFF2-40B4-BE49-F238E27FC236}">
+                    <a16:creationId xmlns:a16="http://schemas.microsoft.com/office/drawing/2014/main" id="{9ACAAC51-1E8C-442A-AED2-E47A84C2D69D}"/>
+                  </a:ext>
+                </a:extLst>
+              </p:cNvPr>
+              <p:cNvSpPr>
+                <a:spLocks noChangeAspect="1"/>
+              </p:cNvSpPr>
+              <p:nvPr/>
+            </p:nvSpPr>
+            <p:spPr>
+              <a:xfrm rot="10800000">
+                <a:off x="6707378" y="2874963"/>
+                <a:ext cx="554037" cy="554037"/>
+              </a:xfrm>
+              <a:prstGeom prst="arc">
+                <a:avLst/>
+              </a:prstGeom>
+              <a:noFill/>
+              <a:ln w="19050">
+                <a:solidFill>
+                  <a:schemeClr val="bg1"/>
+                </a:solidFill>
+              </a:ln>
+            </p:spPr>
+            <p:style>
+              <a:lnRef idx="1">
+                <a:schemeClr val="accent1"/>
+              </a:lnRef>
+              <a:fillRef idx="0">
+                <a:schemeClr val="accent1"/>
+              </a:fillRef>
+              <a:effectRef idx="0">
+                <a:schemeClr val="accent1"/>
+              </a:effectRef>
+              <a:fontRef idx="minor">
+                <a:schemeClr val="tx1"/>
+              </a:fontRef>
+            </p:style>
+            <p:txBody>
+              <a:bodyPr rtlCol="0" anchor="ctr"/>
+              <a:lstStyle/>
+              <a:p>
+                <a:pPr algn="ctr"/>
+                <a:endParaRPr lang="en-US"/>
+              </a:p>
+            </p:txBody>
+          </p:sp>
+          <p:sp>
+            <p:nvSpPr>
+              <p:cNvPr id="16" name="Arc 15">
+                <a:extLst>
+                  <a:ext uri="{FF2B5EF4-FFF2-40B4-BE49-F238E27FC236}">
+                    <a16:creationId xmlns:a16="http://schemas.microsoft.com/office/drawing/2014/main" id="{4DFA2877-5B2B-47E8-9D8B-8CC2BF29440A}"/>
+                  </a:ext>
+                </a:extLst>
+              </p:cNvPr>
+              <p:cNvSpPr>
+                <a:spLocks noChangeAspect="1"/>
+              </p:cNvSpPr>
+              <p:nvPr/>
+            </p:nvSpPr>
+            <p:spPr>
+              <a:xfrm rot="16200000">
+                <a:off x="6707378" y="3429000"/>
+                <a:ext cx="554037" cy="554037"/>
+              </a:xfrm>
+              <a:prstGeom prst="arc">
+                <a:avLst/>
+              </a:prstGeom>
+              <a:noFill/>
+              <a:ln w="19050">
+                <a:solidFill>
+                  <a:schemeClr val="bg1"/>
+                </a:solidFill>
+              </a:ln>
+            </p:spPr>
+            <p:style>
+              <a:lnRef idx="1">
+                <a:schemeClr val="accent1"/>
+              </a:lnRef>
+              <a:fillRef idx="0">
+                <a:schemeClr val="accent1"/>
+              </a:fillRef>
+              <a:effectRef idx="0">
+                <a:schemeClr val="accent1"/>
+              </a:effectRef>
+              <a:fontRef idx="minor">
+                <a:schemeClr val="tx1"/>
+              </a:fontRef>
+            </p:style>
+            <p:txBody>
+              <a:bodyPr rtlCol="0" anchor="ctr"/>
+              <a:lstStyle/>
+              <a:p>
+                <a:pPr algn="ctr"/>
+                <a:endParaRPr lang="en-US"/>
+              </a:p>
+            </p:txBody>
+          </p:sp>
+        </p:grpSp>
+      </p:grpSp>
+      <p:sp>
+        <p:nvSpPr>
+          <p:cNvPr id="18" name="TextBox 17">
+            <a:extLst>
+              <a:ext uri="{FF2B5EF4-FFF2-40B4-BE49-F238E27FC236}">
+                <a16:creationId xmlns:a16="http://schemas.microsoft.com/office/drawing/2014/main" id="{E92C9A35-A880-4B63-B112-707BFD54EE48}"/>
+              </a:ext>
+            </a:extLst>
+          </p:cNvPr>
+          <p:cNvSpPr txBox="1"/>
+          <p:nvPr/>
+        </p:nvSpPr>
+        <p:spPr>
+          <a:xfrm>
+            <a:off x="4317489" y="2921168"/>
+            <a:ext cx="5183699" cy="1015663"/>
+          </a:xfrm>
+          <a:prstGeom prst="rect">
+            <a:avLst/>
+          </a:prstGeom>
+          <a:noFill/>
+        </p:spPr>
+        <p:txBody>
+          <a:bodyPr wrap="square" rtlCol="0">
+            <a:spAutoFit/>
+          </a:bodyPr>
+          <a:lstStyle/>
+          <a:p>
+            <a:r>
+              <a:rPr lang="en-US" sz="6000" dirty="0">
+                <a:ln w="25400" cmpd="dbl">
+                  <a:solidFill>
+                    <a:schemeClr val="bg1"/>
+                  </a:solidFill>
+                </a:ln>
+                <a:latin typeface="Segoe UI" panose="020B0502040204020203" pitchFamily="34" charset="0"/>
+                <a:cs typeface="Segoe UI" panose="020B0502040204020203" pitchFamily="34" charset="0"/>
+              </a:rPr>
+              <a:t>PyTorch Gleam</a:t>
+            </a:r>
+          </a:p>
+        </p:txBody>
+      </p:sp>
+    </p:spTree>
+    <p:extLst>
+      <p:ext uri="{BB962C8B-B14F-4D97-AF65-F5344CB8AC3E}">
+        <p14:creationId xmlns:p14="http://schemas.microsoft.com/office/powerpoint/2010/main" val="3687799658"/>
+      </p:ext>
+    </p:extLst>
+  </p:cSld>
+  <p:clrMapOvr>
+    <a:masterClrMapping/>
+  </p:clrMapOvr>
+</p:sld>
+</file>
+
 <file path=ppt/theme/theme1.xml><?xml version="1.0" encoding="utf-8"?>
 <a:theme xmlns:a="http://schemas.openxmlformats.org/drawingml/2006/main" name="Office Theme">
   <a:themeElements>
